--- a/slides/Pertemuan 1 Sistem Mikroprosesor/Pertemuan 1.pptx
+++ b/slides/Pertemuan 1 Sistem Mikroprosesor/Pertemuan 1.pptx
@@ -3329,22 +3329,6 @@
           <a:bodyPr/>
           <a:lstStyle/>
           <a:p>
-            <a:r>
-              <a:rPr lang="en-US" dirty="0" err="1" smtClean="0"/>
-              <a:t>Himawan</a:t>
-            </a:r>
-            <a:r>
-              <a:rPr lang="en-US" dirty="0" smtClean="0"/>
-              <a:t> </a:t>
-            </a:r>
-            <a:r>
-              <a:rPr lang="en-US" dirty="0" err="1" smtClean="0"/>
-              <a:t>Wicaksono</a:t>
-            </a:r>
-            <a:r>
-              <a:rPr lang="en-US" dirty="0" smtClean="0"/>
-              <a:t>, S.ST., M.T.</a:t>
-            </a:r>
             <a:endParaRPr lang="en-US" dirty="0"/>
           </a:p>
           <a:p>
